--- a/Mysite.pptx
+++ b/Mysite.pptx
@@ -5,7 +5,7 @@
     <p:sldMasterId id="2147483648" r:id="rId1"/>
   </p:sldMasterIdLst>
   <p:notesMasterIdLst>
-    <p:notesMasterId r:id="rId10"/>
+    <p:notesMasterId r:id="rId11"/>
   </p:notesMasterIdLst>
   <p:sldIdLst>
     <p:sldId id="762" r:id="rId2"/>
@@ -16,6 +16,7 @@
     <p:sldId id="765" r:id="rId7"/>
     <p:sldId id="766" r:id="rId8"/>
     <p:sldId id="768" r:id="rId9"/>
+    <p:sldId id="769" r:id="rId10"/>
   </p:sldIdLst>
   <p:sldSz cx="12192000" cy="6858000"/>
   <p:notesSz cx="6858000" cy="9144000"/>
@@ -115,6 +116,27 @@
     </a:lvl9pPr>
   </p:defaultTextStyle>
   <p:extLst>
+    <p:ext uri="{521415D9-36F7-43E2-AB2F-B90AF26B5E84}">
+      <p14:sectionLst xmlns:p14="http://schemas.microsoft.com/office/powerpoint/2010/main">
+        <p14:section name="기본 구역" id="{5F029B37-6260-417C-BEDA-15FBAD6EDDA8}">
+          <p14:sldIdLst>
+            <p14:sldId id="762"/>
+            <p14:sldId id="763"/>
+            <p14:sldId id="748"/>
+            <p14:sldId id="749"/>
+            <p14:sldId id="764"/>
+            <p14:sldId id="765"/>
+            <p14:sldId id="766"/>
+            <p14:sldId id="768"/>
+          </p14:sldIdLst>
+        </p14:section>
+        <p14:section name="제목 없는 구역" id="{93F98D4A-D4A0-4CCE-AE49-EA9222F461E8}">
+          <p14:sldIdLst>
+            <p14:sldId id="769"/>
+          </p14:sldIdLst>
+        </p14:section>
+      </p14:sectionLst>
+    </p:ext>
     <p:ext uri="{EFAFB233-063F-42B5-8137-9DF3F51BA10A}">
       <p15:sldGuideLst xmlns:p15="http://schemas.microsoft.com/office/powerpoint/2012/main"/>
     </p:ext>
@@ -204,7 +226,7 @@
           <a:p>
             <a:fld id="{5AE2ED4F-C39D-4B2A-9D29-3B1836CA4B39}" type="datetimeFigureOut">
               <a:rPr lang="ko-KR" altLang="en-US" smtClean="0"/>
-              <a:t>2021-07-20</a:t>
+              <a:t>2021-07-21</a:t>
             </a:fld>
             <a:endParaRPr lang="ko-KR" altLang="en-US"/>
           </a:p>
@@ -618,7 +640,7 @@
           <a:p>
             <a:fld id="{061CCF65-6406-4621-9C87-1CD3F5DFB7F4}" type="datetimeFigureOut">
               <a:rPr lang="ko-KR" altLang="en-US" smtClean="0"/>
-              <a:t>2021-07-20</a:t>
+              <a:t>2021-07-21</a:t>
             </a:fld>
             <a:endParaRPr lang="ko-KR" altLang="en-US"/>
           </a:p>
@@ -816,7 +838,7 @@
           <a:p>
             <a:fld id="{061CCF65-6406-4621-9C87-1CD3F5DFB7F4}" type="datetimeFigureOut">
               <a:rPr lang="ko-KR" altLang="en-US" smtClean="0"/>
-              <a:t>2021-07-20</a:t>
+              <a:t>2021-07-21</a:t>
             </a:fld>
             <a:endParaRPr lang="ko-KR" altLang="en-US"/>
           </a:p>
@@ -1024,7 +1046,7 @@
           <a:p>
             <a:fld id="{061CCF65-6406-4621-9C87-1CD3F5DFB7F4}" type="datetimeFigureOut">
               <a:rPr lang="ko-KR" altLang="en-US" smtClean="0"/>
-              <a:t>2021-07-20</a:t>
+              <a:t>2021-07-21</a:t>
             </a:fld>
             <a:endParaRPr lang="ko-KR" altLang="en-US"/>
           </a:p>
@@ -1581,7 +1603,7 @@
           <a:p>
             <a:fld id="{061CCF65-6406-4621-9C87-1CD3F5DFB7F4}" type="datetimeFigureOut">
               <a:rPr lang="ko-KR" altLang="en-US" smtClean="0"/>
-              <a:t>2021-07-20</a:t>
+              <a:t>2021-07-21</a:t>
             </a:fld>
             <a:endParaRPr lang="ko-KR" altLang="en-US"/>
           </a:p>
@@ -1856,7 +1878,7 @@
           <a:p>
             <a:fld id="{061CCF65-6406-4621-9C87-1CD3F5DFB7F4}" type="datetimeFigureOut">
               <a:rPr lang="ko-KR" altLang="en-US" smtClean="0"/>
-              <a:t>2021-07-20</a:t>
+              <a:t>2021-07-21</a:t>
             </a:fld>
             <a:endParaRPr lang="ko-KR" altLang="en-US"/>
           </a:p>
@@ -2121,7 +2143,7 @@
           <a:p>
             <a:fld id="{061CCF65-6406-4621-9C87-1CD3F5DFB7F4}" type="datetimeFigureOut">
               <a:rPr lang="ko-KR" altLang="en-US" smtClean="0"/>
-              <a:t>2021-07-20</a:t>
+              <a:t>2021-07-21</a:t>
             </a:fld>
             <a:endParaRPr lang="ko-KR" altLang="en-US"/>
           </a:p>
@@ -2533,7 +2555,7 @@
           <a:p>
             <a:fld id="{061CCF65-6406-4621-9C87-1CD3F5DFB7F4}" type="datetimeFigureOut">
               <a:rPr lang="ko-KR" altLang="en-US" smtClean="0"/>
-              <a:t>2021-07-20</a:t>
+              <a:t>2021-07-21</a:t>
             </a:fld>
             <a:endParaRPr lang="ko-KR" altLang="en-US"/>
           </a:p>
@@ -2674,7 +2696,7 @@
           <a:p>
             <a:fld id="{061CCF65-6406-4621-9C87-1CD3F5DFB7F4}" type="datetimeFigureOut">
               <a:rPr lang="ko-KR" altLang="en-US" smtClean="0"/>
-              <a:t>2021-07-20</a:t>
+              <a:t>2021-07-21</a:t>
             </a:fld>
             <a:endParaRPr lang="ko-KR" altLang="en-US"/>
           </a:p>
@@ -2787,7 +2809,7 @@
           <a:p>
             <a:fld id="{061CCF65-6406-4621-9C87-1CD3F5DFB7F4}" type="datetimeFigureOut">
               <a:rPr lang="ko-KR" altLang="en-US" smtClean="0"/>
-              <a:t>2021-07-20</a:t>
+              <a:t>2021-07-21</a:t>
             </a:fld>
             <a:endParaRPr lang="ko-KR" altLang="en-US"/>
           </a:p>
@@ -3098,7 +3120,7 @@
           <a:p>
             <a:fld id="{061CCF65-6406-4621-9C87-1CD3F5DFB7F4}" type="datetimeFigureOut">
               <a:rPr lang="ko-KR" altLang="en-US" smtClean="0"/>
-              <a:t>2021-07-20</a:t>
+              <a:t>2021-07-21</a:t>
             </a:fld>
             <a:endParaRPr lang="ko-KR" altLang="en-US"/>
           </a:p>
@@ -3386,7 +3408,7 @@
           <a:p>
             <a:fld id="{061CCF65-6406-4621-9C87-1CD3F5DFB7F4}" type="datetimeFigureOut">
               <a:rPr lang="ko-KR" altLang="en-US" smtClean="0"/>
-              <a:t>2021-07-20</a:t>
+              <a:t>2021-07-21</a:t>
             </a:fld>
             <a:endParaRPr lang="ko-KR" altLang="en-US"/>
           </a:p>
@@ -3627,7 +3649,7 @@
           <a:p>
             <a:fld id="{061CCF65-6406-4621-9C87-1CD3F5DFB7F4}" type="datetimeFigureOut">
               <a:rPr lang="ko-KR" altLang="en-US" smtClean="0"/>
-              <a:t>2021-07-20</a:t>
+              <a:t>2021-07-21</a:t>
             </a:fld>
             <a:endParaRPr lang="ko-KR" altLang="en-US"/>
           </a:p>
@@ -4769,8 +4791,8 @@
         </p:nvCxnSpPr>
         <p:spPr>
           <a:xfrm>
-            <a:off x="6815667" y="1791601"/>
-            <a:ext cx="1290110" cy="629866"/>
+            <a:off x="6815667" y="1883934"/>
+            <a:ext cx="1290110" cy="537533"/>
           </a:xfrm>
           <a:prstGeom prst="bentConnector2">
             <a:avLst/>
@@ -5337,9 +5359,9 @@
         <p:grpSpPr bwMode="auto">
           <a:xfrm>
             <a:off x="4895851" y="980018"/>
-            <a:ext cx="1919816" cy="1288733"/>
+            <a:ext cx="1919816" cy="1473399"/>
             <a:chOff x="4496160" y="613461"/>
-            <a:chExt cx="1439853" cy="965465"/>
+            <a:chExt cx="1439853" cy="1103809"/>
           </a:xfrm>
         </p:grpSpPr>
         <p:sp>
@@ -5357,7 +5379,7 @@
           <p:spPr>
             <a:xfrm>
               <a:off x="4569185" y="864004"/>
-              <a:ext cx="1366828" cy="714922"/>
+              <a:ext cx="1366828" cy="853266"/>
             </a:xfrm>
             <a:prstGeom prst="rect">
               <a:avLst/>
@@ -5416,6 +5438,11 @@
                 </a:rPr>
                 <a:t>: </a:t>
               </a:r>
+            </a:p>
+            <a:p>
+              <a:pPr>
+                <a:defRPr/>
+              </a:pPr>
               <a:r>
                 <a:rPr lang="en-US" altLang="ko-KR" sz="1200" b="1" dirty="0">
                   <a:solidFill>
@@ -5686,16 +5713,10 @@
               <a:defRPr/>
             </a:pPr>
             <a:r>
-              <a:rPr lang="en-US" altLang="ko-KR" sz="1600" b="1" dirty="0" err="1">
-                <a:latin typeface="+mn-ea"/>
-              </a:rPr>
-              <a:t>contoller</a:t>
-            </a:r>
-            <a:r>
               <a:rPr lang="en-US" altLang="ko-KR" sz="1600" b="1" dirty="0">
                 <a:latin typeface="+mn-ea"/>
               </a:rPr>
-              <a:t>(servlet)</a:t>
+              <a:t>Controller(servlet)</a:t>
             </a:r>
             <a:r>
               <a:rPr lang="ko-KR" altLang="en-US" sz="1600" b="1" dirty="0">
@@ -5766,44 +5787,22 @@
               <a:defRPr/>
             </a:pPr>
             <a:r>
-              <a:rPr lang="en-US" altLang="ko-KR" sz="1467" b="1" dirty="0">
+              <a:rPr lang="en-US" altLang="ko-KR" sz="1467" b="1" dirty="0" err="1">
                 <a:solidFill>
                   <a:schemeClr val="tx1"/>
-                </a:solidFill>
-                <a:latin typeface="+mn-ea"/>
-              </a:rPr>
-              <a:t>list</a:t>
-            </a:r>
-            <a:r>
-              <a:rPr lang="ko-KR" altLang="en-US" sz="1467" b="1" dirty="0" err="1">
-                <a:solidFill>
-                  <a:schemeClr val="tx1"/>
-                </a:solidFill>
-                <a:latin typeface="+mn-ea"/>
-              </a:rPr>
-              <a:t>일때</a:t>
-            </a:r>
-            <a:endParaRPr lang="en-US" altLang="ko-KR" sz="1467" b="1" dirty="0">
-              <a:solidFill>
-                <a:schemeClr val="tx1"/>
-              </a:solidFill>
-              <a:latin typeface="+mn-ea"/>
-            </a:endParaRPr>
-          </a:p>
-          <a:p>
-            <a:pPr algn="ctr">
-              <a:defRPr/>
-            </a:pPr>
-            <a:r>
-              <a:rPr lang="en-US" altLang="ko-KR" sz="1467" b="1" dirty="0" err="1">
-                <a:solidFill>
-                  <a:schemeClr val="accent6">
-                    <a:lumMod val="75000"/>
-                  </a:schemeClr>
                 </a:solidFill>
                 <a:latin typeface="+mn-ea"/>
               </a:rPr>
               <a:t>getList</a:t>
+            </a:r>
+            <a:r>
+              <a:rPr lang="en-US" altLang="ko-KR" sz="1467" b="1" dirty="0">
+                <a:solidFill>
+                  <a:schemeClr val="tx1"/>
+                </a:solidFill>
+                <a:latin typeface="+mn-ea"/>
+              </a:rPr>
+              <a:t>()</a:t>
             </a:r>
             <a:endParaRPr lang="en-US" altLang="ko-KR" sz="1467" b="1" dirty="0">
               <a:solidFill>
@@ -5813,91 +5812,6 @@
               </a:solidFill>
               <a:latin typeface="+mn-ea"/>
             </a:endParaRPr>
-          </a:p>
-          <a:p>
-            <a:pPr algn="ctr">
-              <a:defRPr/>
-            </a:pPr>
-            <a:endParaRPr lang="en-US" altLang="ko-KR" sz="800" b="1" dirty="0">
-              <a:solidFill>
-                <a:schemeClr val="accent6">
-                  <a:lumMod val="75000"/>
-                </a:schemeClr>
-              </a:solidFill>
-              <a:latin typeface="+mn-ea"/>
-            </a:endParaRPr>
-          </a:p>
-          <a:p>
-            <a:pPr algn="ctr">
-              <a:defRPr/>
-            </a:pPr>
-            <a:r>
-              <a:rPr lang="en-US" altLang="ko-KR" sz="800" b="1" dirty="0">
-                <a:solidFill>
-                  <a:schemeClr val="tx1"/>
-                </a:solidFill>
-                <a:latin typeface="+mn-ea"/>
-              </a:rPr>
-              <a:t>insert</a:t>
-            </a:r>
-            <a:r>
-              <a:rPr lang="ko-KR" altLang="en-US" sz="800" b="1" dirty="0" err="1">
-                <a:solidFill>
-                  <a:schemeClr val="tx1"/>
-                </a:solidFill>
-                <a:latin typeface="+mn-ea"/>
-              </a:rPr>
-              <a:t>일때</a:t>
-            </a:r>
-            <a:endParaRPr lang="en-US" altLang="ko-KR" sz="800" b="1" dirty="0">
-              <a:solidFill>
-                <a:schemeClr val="tx1"/>
-              </a:solidFill>
-              <a:latin typeface="+mn-ea"/>
-            </a:endParaRPr>
-          </a:p>
-          <a:p>
-            <a:pPr algn="ctr">
-              <a:defRPr/>
-            </a:pPr>
-            <a:r>
-              <a:rPr lang="en-US" altLang="ko-KR" sz="800" b="1" dirty="0">
-                <a:solidFill>
-                  <a:schemeClr val="tx1"/>
-                </a:solidFill>
-                <a:latin typeface="+mn-ea"/>
-              </a:rPr>
-              <a:t>delete</a:t>
-            </a:r>
-            <a:r>
-              <a:rPr lang="ko-KR" altLang="en-US" sz="800" b="1" dirty="0" err="1">
-                <a:solidFill>
-                  <a:schemeClr val="tx1"/>
-                </a:solidFill>
-                <a:latin typeface="+mn-ea"/>
-              </a:rPr>
-              <a:t>일때</a:t>
-            </a:r>
-            <a:endParaRPr lang="en-US" altLang="ko-KR" sz="800" b="1" dirty="0">
-              <a:solidFill>
-                <a:schemeClr val="tx1"/>
-              </a:solidFill>
-              <a:latin typeface="+mn-ea"/>
-            </a:endParaRPr>
-          </a:p>
-          <a:p>
-            <a:pPr algn="ctr">
-              <a:defRPr/>
-            </a:pPr>
-            <a:r>
-              <a:rPr lang="en-US" altLang="ko-KR" sz="800" b="1" dirty="0">
-                <a:solidFill>
-                  <a:schemeClr val="tx1"/>
-                </a:solidFill>
-                <a:latin typeface="+mn-ea"/>
-              </a:rPr>
-              <a:t>..</a:t>
-            </a:r>
           </a:p>
         </p:txBody>
       </p:sp>
@@ -22775,6 +22689,142 @@
     <p:extLst>
       <p:ext uri="{BB962C8B-B14F-4D97-AF65-F5344CB8AC3E}">
         <p14:creationId xmlns:p14="http://schemas.microsoft.com/office/powerpoint/2010/main" val="2737760056"/>
+      </p:ext>
+    </p:extLst>
+  </p:cSld>
+  <p:clrMapOvr>
+    <a:masterClrMapping/>
+  </p:clrMapOvr>
+  <p:transition spd="slow"/>
+</p:sld>
+</file>
+
+<file path=ppt/slides/slide9.xml><?xml version="1.0" encoding="utf-8"?>
+<p:sld xmlns:a="http://schemas.openxmlformats.org/drawingml/2006/main" xmlns:r="http://schemas.openxmlformats.org/officeDocument/2006/relationships" xmlns:p="http://schemas.openxmlformats.org/presentationml/2006/main">
+  <p:cSld>
+    <p:spTree>
+      <p:nvGrpSpPr>
+        <p:cNvPr id="1" name=""/>
+        <p:cNvGrpSpPr/>
+        <p:nvPr/>
+      </p:nvGrpSpPr>
+      <p:grpSpPr>
+        <a:xfrm>
+          <a:off x="0" y="0"/>
+          <a:ext cx="0" cy="0"/>
+          <a:chOff x="0" y="0"/>
+          <a:chExt cx="0" cy="0"/>
+        </a:xfrm>
+      </p:grpSpPr>
+      <p:sp>
+        <p:nvSpPr>
+          <p:cNvPr id="2" name="제목 1">
+            <a:extLst>
+              <a:ext uri="{FF2B5EF4-FFF2-40B4-BE49-F238E27FC236}">
+                <a16:creationId xmlns:a16="http://schemas.microsoft.com/office/drawing/2014/main" id="{3CE34B3C-A6E1-43A1-9841-A9C51C4671A2}"/>
+              </a:ext>
+            </a:extLst>
+          </p:cNvPr>
+          <p:cNvSpPr>
+            <a:spLocks noGrp="1"/>
+          </p:cNvSpPr>
+          <p:nvPr>
+            <p:ph type="title"/>
+          </p:nvPr>
+        </p:nvSpPr>
+        <p:spPr/>
+        <p:txBody>
+          <a:bodyPr/>
+          <a:lstStyle/>
+          <a:p>
+            <a:endParaRPr lang="ko-KR" altLang="en-US"/>
+          </a:p>
+        </p:txBody>
+      </p:sp>
+      <p:sp>
+        <p:nvSpPr>
+          <p:cNvPr id="3" name="텍스트 개체 틀 2">
+            <a:extLst>
+              <a:ext uri="{FF2B5EF4-FFF2-40B4-BE49-F238E27FC236}">
+                <a16:creationId xmlns:a16="http://schemas.microsoft.com/office/drawing/2014/main" id="{85B86EC2-FC7D-4623-A6B2-F52A1DFF7B93}"/>
+              </a:ext>
+            </a:extLst>
+          </p:cNvPr>
+          <p:cNvSpPr>
+            <a:spLocks noGrp="1"/>
+          </p:cNvSpPr>
+          <p:nvPr>
+            <p:ph type="body" sz="quarter" idx="11"/>
+          </p:nvPr>
+        </p:nvSpPr>
+        <p:spPr/>
+        <p:txBody>
+          <a:bodyPr/>
+          <a:lstStyle/>
+          <a:p>
+            <a:endParaRPr lang="ko-KR" altLang="en-US"/>
+          </a:p>
+        </p:txBody>
+      </p:sp>
+      <p:sp>
+        <p:nvSpPr>
+          <p:cNvPr id="4" name="텍스트 개체 틀 3">
+            <a:extLst>
+              <a:ext uri="{FF2B5EF4-FFF2-40B4-BE49-F238E27FC236}">
+                <a16:creationId xmlns:a16="http://schemas.microsoft.com/office/drawing/2014/main" id="{E9BA9BC8-9366-4904-BC0D-157CA8387E6E}"/>
+              </a:ext>
+            </a:extLst>
+          </p:cNvPr>
+          <p:cNvSpPr>
+            <a:spLocks noGrp="1"/>
+          </p:cNvSpPr>
+          <p:nvPr>
+            <p:ph type="body" sz="quarter" idx="15"/>
+          </p:nvPr>
+        </p:nvSpPr>
+        <p:spPr/>
+        <p:txBody>
+          <a:bodyPr/>
+          <a:lstStyle/>
+          <a:p>
+            <a:endParaRPr lang="ko-KR" altLang="en-US"/>
+          </a:p>
+        </p:txBody>
+      </p:sp>
+      <p:pic>
+        <p:nvPicPr>
+          <p:cNvPr id="5" name="그림 4">
+            <a:extLst>
+              <a:ext uri="{FF2B5EF4-FFF2-40B4-BE49-F238E27FC236}">
+                <a16:creationId xmlns:a16="http://schemas.microsoft.com/office/drawing/2014/main" id="{6E26009C-DF10-4D78-B301-CC3FC7FF1603}"/>
+              </a:ext>
+            </a:extLst>
+          </p:cNvPr>
+          <p:cNvPicPr>
+            <a:picLocks noChangeAspect="1"/>
+          </p:cNvPicPr>
+          <p:nvPr/>
+        </p:nvPicPr>
+        <p:blipFill>
+          <a:blip r:embed="rId2"/>
+          <a:stretch>
+            <a:fillRect/>
+          </a:stretch>
+        </p:blipFill>
+        <p:spPr>
+          <a:xfrm>
+            <a:off x="0" y="0"/>
+            <a:ext cx="12192000" cy="7478485"/>
+          </a:xfrm>
+          <a:prstGeom prst="rect">
+            <a:avLst/>
+          </a:prstGeom>
+        </p:spPr>
+      </p:pic>
+    </p:spTree>
+    <p:extLst>
+      <p:ext uri="{BB962C8B-B14F-4D97-AF65-F5344CB8AC3E}">
+        <p14:creationId xmlns:p14="http://schemas.microsoft.com/office/powerpoint/2010/main" val="569574927"/>
       </p:ext>
     </p:extLst>
   </p:cSld>
